--- a/Capstone 3 Problem Statement [Cole Romanyk].pptx
+++ b/Capstone 3 Problem Statement [Cole Romanyk].pptx
@@ -257,7 +257,7 @@
       </p15:sldGuideLst>
     </p:ext>
     <p:ext uri="http://customooxmlschemas.google.com/">
-      <go:slidesCustomData xmlns:go="http://customooxmlschemas.google.com/" xmlns:p15="http://schemas.microsoft.com/office/powerpoint/2012/main" xmlns:p14="http://schemas.microsoft.com/office/powerpoint/2010/main" xmlns:com="http://schemas.openxmlformats.org/drawingml/2006/compatibility" xmlns:pvml="urn:schemas-microsoft-com:office:powerpoint" xmlns:v="urn:schemas-microsoft-com:vml" xmlns:o="urn:schemas-microsoft-com:office:office" xmlns:dgm="http://schemas.openxmlformats.org/drawingml/2006/diagram" xmlns:c="http://schemas.openxmlformats.org/drawingml/2006/chart" xmlns:mv="urn:schemas-microsoft-com:mac:vml" xmlns:mc="http://schemas.openxmlformats.org/markup-compatibility/2006" xmlns="" r:id="rId7" roundtripDataSignature="AMtx7mjdo7FECp685JsX7/4pIVeoAktjNA=="/>
+      <go:slidesCustomData xmlns="" xmlns:mc="http://schemas.openxmlformats.org/markup-compatibility/2006" xmlns:mv="urn:schemas-microsoft-com:mac:vml" xmlns:c="http://schemas.openxmlformats.org/drawingml/2006/chart" xmlns:dgm="http://schemas.openxmlformats.org/drawingml/2006/diagram" xmlns:o="urn:schemas-microsoft-com:office:office" xmlns:v="urn:schemas-microsoft-com:vml" xmlns:pvml="urn:schemas-microsoft-com:office:powerpoint" xmlns:com="http://schemas.openxmlformats.org/drawingml/2006/compatibility" xmlns:p14="http://schemas.microsoft.com/office/powerpoint/2010/main" xmlns:p15="http://schemas.microsoft.com/office/powerpoint/2012/main" xmlns:go="http://customooxmlschemas.google.com/" r:id="rId7" roundtripDataSignature="AMtx7mjdo7FECp685JsX7/4pIVeoAktjNA=="/>
     </p:ext>
   </p:extLst>
 </p:presentation>
@@ -5629,8 +5629,8 @@
         </p:nvSpPr>
         <p:spPr>
           <a:xfrm>
-            <a:off x="121750" y="540901"/>
-            <a:ext cx="7850996" cy="704426"/>
+            <a:off x="121750" y="540900"/>
+            <a:ext cx="7850996" cy="944275"/>
           </a:xfrm>
           <a:prstGeom prst="rect">
             <a:avLst/>
@@ -5646,42 +5646,16 @@
           </a:bodyPr>
           <a:lstStyle/>
           <a:p>
-            <a:pPr marL="0" marR="0" lvl="0" indent="0" algn="l" rtl="0">
-              <a:lnSpc>
-                <a:spcPct val="100000"/>
-              </a:lnSpc>
-              <a:spcBef>
-                <a:spcPts val="0"/>
-              </a:spcBef>
-              <a:spcAft>
-                <a:spcPts val="0"/>
-              </a:spcAft>
-              <a:buClr>
-                <a:srgbClr val="000000"/>
-              </a:buClr>
-              <a:buSzPts val="1400"/>
-              <a:buFont typeface="Arial"/>
-              <a:buNone/>
+            <a:pPr lvl="0">
+              <a:buSzPts val="1400"/>
             </a:pPr>
             <a:r>
-              <a:rPr lang="en-US" sz="1100" b="1" i="0" u="none" strike="noStrike" cap="none" dirty="0">
-                <a:solidFill>
-                  <a:srgbClr val="000000"/>
-                </a:solidFill>
-                <a:latin typeface="Arial"/>
-                <a:ea typeface="Arial"/>
-                <a:cs typeface="Arial"/>
-                <a:sym typeface="Arial"/>
-              </a:rPr>
-              <a:t>Can a neural network be trained on a multiclassification model that can identify crops planted in a </a:t>
+              <a:rPr lang="en-US" b="1"/>
+              <a:t>Can a neural network or multiclassification model be trained to identify crops planted in a field with at least 90% accuracy, so that Prime Agri’s management team can make a decision on the most competitive seed line to pursue in the new territory within the next year?</a:t>
             </a:r>
             <a:r>
-              <a:rPr lang="en-US" sz="1100" b="1" dirty="0"/>
-              <a:t>field with at least 90% accuracy, so that Prime Agri’s management team can make a decision on the most competitive seed line to pursue in the new territory within the </a:t>
-            </a:r>
-            <a:r>
-              <a:rPr lang="en-US" sz="1100" b="1"/>
-              <a:t>next year?</a:t>
+              <a:rPr lang="en-US"/>
+              <a:t> </a:t>
             </a:r>
             <a:endParaRPr sz="1100" b="1" i="0" u="none" strike="noStrike" cap="none" dirty="0">
               <a:solidFill>
